--- a/docs/Peppol Reporting Dev Slides.pptx
+++ b/docs/Peppol Reporting Dev Slides.pptx
@@ -5434,7 +5434,7 @@
         <p:spPr>
           <a:xfrm>
             <a:off x="3203477" y="4074453"/>
-            <a:ext cx="5665394" cy="2609568"/>
+            <a:ext cx="5409128" cy="2609568"/>
           </a:xfrm>
           <a:prstGeom prst="rect">
             <a:avLst/>
@@ -5467,12 +5467,86 @@
               <a:t>Reading from DB via implementation of SPI interface </a:t>
             </a:r>
             <a:r>
-              <a:rPr lang="en-US" dirty="0" err="1">
+              <a:rPr lang="en-US" sz="1600" dirty="0" err="1">
                 <a:latin typeface="Courier New" panose="02070309020205020404" pitchFamily="49" charset="0"/>
                 <a:cs typeface="Courier New" panose="02070309020205020404" pitchFamily="49" charset="0"/>
               </a:rPr>
               <a:t>IPeppolReportingBackendSPI</a:t>
             </a:r>
+            <a:endParaRPr lang="en-US" sz="1600" dirty="0">
+              <a:latin typeface="Courier New" panose="02070309020205020404" pitchFamily="49" charset="0"/>
+              <a:cs typeface="Courier New" panose="02070309020205020404" pitchFamily="49" charset="0"/>
+            </a:endParaRPr>
+          </a:p>
+          <a:p>
+            <a:pPr marL="285750" indent="-285750">
+              <a:buFont typeface="Arial" panose="020B0604020202020204" pitchFamily="34" charset="0"/>
+              <a:buChar char="•"/>
+            </a:pPr>
+            <a:r>
+              <a:rPr lang="en-US" dirty="0"/>
+              <a:t>Each transmission is an instance of class </a:t>
+            </a:r>
+            <a:r>
+              <a:rPr lang="en-US" sz="1600" dirty="0" err="1">
+                <a:latin typeface="Courier New" panose="02070309020205020404" pitchFamily="49" charset="0"/>
+                <a:cs typeface="Courier New" panose="02070309020205020404" pitchFamily="49" charset="0"/>
+              </a:rPr>
+              <a:t>PeppolReportingItem</a:t>
+            </a:r>
+            <a:endParaRPr lang="en-US" sz="1600" dirty="0">
+              <a:latin typeface="Courier New" panose="02070309020205020404" pitchFamily="49" charset="0"/>
+              <a:cs typeface="Courier New" panose="02070309020205020404" pitchFamily="49" charset="0"/>
+            </a:endParaRPr>
+          </a:p>
+          <a:p>
+            <a:pPr marL="285750" indent="-285750">
+              <a:buFont typeface="Arial" panose="020B0604020202020204" pitchFamily="34" charset="0"/>
+              <a:buChar char="•"/>
+            </a:pPr>
+            <a:r>
+              <a:rPr lang="en-US" dirty="0"/>
+              <a:t>Create TSR via </a:t>
+            </a:r>
+            <a:r>
+              <a:rPr lang="en-US" sz="1600" dirty="0" err="1">
+                <a:latin typeface="Courier New" panose="02070309020205020404" pitchFamily="49" charset="0"/>
+                <a:cs typeface="Courier New" panose="02070309020205020404" pitchFamily="49" charset="0"/>
+              </a:rPr>
+              <a:t>TransactionStatisticsReport</a:t>
+            </a:r>
+            <a:r>
+              <a:rPr lang="en-US" sz="1600" dirty="0">
+                <a:latin typeface="Courier New" panose="02070309020205020404" pitchFamily="49" charset="0"/>
+                <a:cs typeface="Courier New" panose="02070309020205020404" pitchFamily="49" charset="0"/>
+              </a:rPr>
+              <a:t> .builder()</a:t>
+            </a:r>
+            <a:r>
+              <a:rPr lang="en-US" dirty="0"/>
+              <a:t> using </a:t>
+            </a:r>
+            <a:r>
+              <a:rPr lang="en-US" sz="1600" dirty="0">
+                <a:latin typeface="Courier New" panose="02070309020205020404" pitchFamily="49" charset="0"/>
+                <a:cs typeface="Courier New" panose="02070309020205020404" pitchFamily="49" charset="0"/>
+              </a:rPr>
+              <a:t>List&lt;</a:t>
+            </a:r>
+            <a:r>
+              <a:rPr lang="en-US" sz="1600" dirty="0" err="1">
+                <a:latin typeface="Courier New" panose="02070309020205020404" pitchFamily="49" charset="0"/>
+                <a:cs typeface="Courier New" panose="02070309020205020404" pitchFamily="49" charset="0"/>
+              </a:rPr>
+              <a:t>PeppolReportingItem</a:t>
+            </a:r>
+            <a:r>
+              <a:rPr lang="en-US" sz="1600" dirty="0">
+                <a:latin typeface="Courier New" panose="02070309020205020404" pitchFamily="49" charset="0"/>
+                <a:cs typeface="Courier New" panose="02070309020205020404" pitchFamily="49" charset="0"/>
+              </a:rPr>
+              <a:t>&gt;</a:t>
+            </a:r>
             <a:endParaRPr lang="en-US" dirty="0">
               <a:latin typeface="Courier New" panose="02070309020205020404" pitchFamily="49" charset="0"/>
               <a:cs typeface="Courier New" panose="02070309020205020404" pitchFamily="49" charset="0"/>
@@ -5485,67 +5559,55 @@
             </a:pPr>
             <a:r>
               <a:rPr lang="en-US" dirty="0"/>
-              <a:t>Each transmission is an instance of class </a:t>
-            </a:r>
-            <a:r>
-              <a:rPr lang="en-US" dirty="0" err="1">
+              <a:t>Create EUSR via </a:t>
+            </a:r>
+            <a:r>
+              <a:rPr lang="en-US" sz="1600" dirty="0" err="1">
+                <a:latin typeface="Courier New" panose="02070309020205020404" pitchFamily="49" charset="0"/>
+                <a:cs typeface="Courier New" panose="02070309020205020404" pitchFamily="49" charset="0"/>
+              </a:rPr>
+              <a:t>EndUserStatisticsReport</a:t>
+            </a:r>
+            <a:r>
+              <a:rPr lang="en-US" sz="1600" dirty="0">
+                <a:latin typeface="Courier New" panose="02070309020205020404" pitchFamily="49" charset="0"/>
+                <a:cs typeface="Courier New" panose="02070309020205020404" pitchFamily="49" charset="0"/>
+              </a:rPr>
+              <a:t> .builder()</a:t>
+            </a:r>
+            <a:r>
+              <a:rPr lang="en-US" dirty="0"/>
+              <a:t> using</a:t>
+            </a:r>
+            <a:r>
+              <a:rPr lang="en-US" sz="1600" dirty="0"/>
+              <a:t> </a:t>
+            </a:r>
+            <a:r>
+              <a:rPr lang="en-US" sz="1600" dirty="0">
+                <a:latin typeface="Courier New" panose="02070309020205020404" pitchFamily="49" charset="0"/>
+                <a:cs typeface="Courier New" panose="02070309020205020404" pitchFamily="49" charset="0"/>
+              </a:rPr>
+              <a:t>List&lt;</a:t>
+            </a:r>
+            <a:r>
+              <a:rPr lang="en-US" sz="1600" dirty="0" err="1">
                 <a:latin typeface="Courier New" panose="02070309020205020404" pitchFamily="49" charset="0"/>
                 <a:cs typeface="Courier New" panose="02070309020205020404" pitchFamily="49" charset="0"/>
               </a:rPr>
               <a:t>PeppolReportingItem</a:t>
             </a:r>
+            <a:r>
+              <a:rPr lang="en-US" sz="1600" dirty="0">
+                <a:latin typeface="Courier New" panose="02070309020205020404" pitchFamily="49" charset="0"/>
+                <a:cs typeface="Courier New" panose="02070309020205020404" pitchFamily="49" charset="0"/>
+              </a:rPr>
+              <a:t>&gt;</a:t>
+            </a:r>
             <a:endParaRPr lang="en-US" dirty="0">
               <a:latin typeface="Courier New" panose="02070309020205020404" pitchFamily="49" charset="0"/>
               <a:cs typeface="Courier New" panose="02070309020205020404" pitchFamily="49" charset="0"/>
             </a:endParaRPr>
-          </a:p>
-          <a:p>
-            <a:pPr marL="285750" indent="-285750">
-              <a:buFont typeface="Arial" panose="020B0604020202020204" pitchFamily="34" charset="0"/>
-              <a:buChar char="•"/>
-            </a:pPr>
-            <a:r>
-              <a:rPr lang="en-US" dirty="0"/>
-              <a:t>Create TSR via </a:t>
-            </a:r>
-            <a:r>
-              <a:rPr lang="en-US" dirty="0" err="1">
-                <a:latin typeface="Courier New" panose="02070309020205020404" pitchFamily="49" charset="0"/>
-                <a:cs typeface="Courier New" panose="02070309020205020404" pitchFamily="49" charset="0"/>
-              </a:rPr>
-              <a:t>TransactionStatisticsReport.builder</a:t>
-            </a:r>
-            <a:r>
-              <a:rPr lang="en-US" dirty="0">
-                <a:latin typeface="Courier New" panose="02070309020205020404" pitchFamily="49" charset="0"/>
-                <a:cs typeface="Courier New" panose="02070309020205020404" pitchFamily="49" charset="0"/>
-              </a:rPr>
-              <a:t> ()</a:t>
-            </a:r>
-          </a:p>
-          <a:p>
-            <a:pPr marL="285750" indent="-285750">
-              <a:buFont typeface="Arial" panose="020B0604020202020204" pitchFamily="34" charset="0"/>
-              <a:buChar char="•"/>
-            </a:pPr>
-            <a:r>
-              <a:rPr lang="en-US" dirty="0"/>
-              <a:t>Create EUSR via </a:t>
-            </a:r>
-            <a:r>
-              <a:rPr lang="en-US" dirty="0" err="1">
-                <a:latin typeface="Courier New" panose="02070309020205020404" pitchFamily="49" charset="0"/>
-                <a:cs typeface="Courier New" panose="02070309020205020404" pitchFamily="49" charset="0"/>
-              </a:rPr>
-              <a:t>EndUserStatisticsReport.builder</a:t>
-            </a:r>
-            <a:r>
-              <a:rPr lang="en-US" dirty="0">
-                <a:latin typeface="Courier New" panose="02070309020205020404" pitchFamily="49" charset="0"/>
-                <a:cs typeface="Courier New" panose="02070309020205020404" pitchFamily="49" charset="0"/>
-              </a:rPr>
-              <a:t> ()</a:t>
-            </a:r>
           </a:p>
           <a:p>
             <a:pPr marL="285750" indent="-285750">

--- a/docs/Peppol Reporting Dev Slides.pptx
+++ b/docs/Peppol Reporting Dev Slides.pptx
@@ -266,7 +266,7 @@
           <a:p>
             <a:fld id="{C1A05628-CC36-48A7-867E-9DE28AA91CC5}" type="datetimeFigureOut">
               <a:rPr lang="de-AT" smtClean="0"/>
-              <a:t>11.09.2023</a:t>
+              <a:t>12.09.2023</a:t>
             </a:fld>
             <a:endParaRPr lang="de-AT"/>
           </a:p>
@@ -466,7 +466,7 @@
           <a:p>
             <a:fld id="{C1A05628-CC36-48A7-867E-9DE28AA91CC5}" type="datetimeFigureOut">
               <a:rPr lang="de-AT" smtClean="0"/>
-              <a:t>11.09.2023</a:t>
+              <a:t>12.09.2023</a:t>
             </a:fld>
             <a:endParaRPr lang="de-AT"/>
           </a:p>
@@ -742,7 +742,7 @@
           <a:p>
             <a:fld id="{C1A05628-CC36-48A7-867E-9DE28AA91CC5}" type="datetimeFigureOut">
               <a:rPr lang="de-AT" smtClean="0"/>
-              <a:t>11.09.2023</a:t>
+              <a:t>12.09.2023</a:t>
             </a:fld>
             <a:endParaRPr lang="de-AT"/>
           </a:p>
@@ -884,7 +884,7 @@
           <a:p>
             <a:fld id="{C1A05628-CC36-48A7-867E-9DE28AA91CC5}" type="datetimeFigureOut">
               <a:rPr lang="de-AT" smtClean="0"/>
-              <a:t>11.09.2023</a:t>
+              <a:t>12.09.2023</a:t>
             </a:fld>
             <a:endParaRPr lang="de-AT"/>
           </a:p>
@@ -997,7 +997,7 @@
           <a:p>
             <a:fld id="{C1A05628-CC36-48A7-867E-9DE28AA91CC5}" type="datetimeFigureOut">
               <a:rPr lang="de-AT" smtClean="0"/>
-              <a:t>11.09.2023</a:t>
+              <a:t>12.09.2023</a:t>
             </a:fld>
             <a:endParaRPr lang="de-AT"/>
           </a:p>
@@ -1240,7 +1240,7 @@
           <a:p>
             <a:fld id="{C1A05628-CC36-48A7-867E-9DE28AA91CC5}" type="datetimeFigureOut">
               <a:rPr lang="de-AT" smtClean="0"/>
-              <a:t>11.09.2023</a:t>
+              <a:t>12.09.2023</a:t>
             </a:fld>
             <a:endParaRPr lang="de-AT"/>
           </a:p>
